--- a/plots/overall_new/overall_fitness.pptx
+++ b/plots/overall_new/overall_fitness.pptx
@@ -118,13 +118,341 @@
 <file path=ppt/revisionInfo.xml><?xml version="1.0" encoding="utf-8"?>
 <p1510:revInfo xmlns:a="http://schemas.openxmlformats.org/drawingml/2006/main" xmlns:r="http://schemas.openxmlformats.org/officeDocument/2006/relationships" xmlns:p1510="http://schemas.microsoft.com/office/powerpoint/2015/10/main">
   <p1510:revLst>
-    <p1510:client id="{B7B6CD1C-AEAD-F34F-A2FE-16FE46EC6470}" v="62" dt="2023-09-17T12:23:25.673"/>
+    <p1510:client id="{8F676522-DDED-B744-BEEF-16A9B560E92E}" v="1" dt="2023-11-08T10:21:23.865"/>
   </p1510:revLst>
 </p1510:revInfo>
 </file>
 
 <file path=ppt/changesInfos/changesInfo1.xml><?xml version="1.0" encoding="utf-8"?>
 <pc:chgInfo xmlns:a="http://schemas.openxmlformats.org/drawingml/2006/main" xmlns:r="http://schemas.openxmlformats.org/officeDocument/2006/relationships" xmlns:ac="http://schemas.microsoft.com/office/drawing/2013/main/command" xmlns:pc="http://schemas.microsoft.com/office/powerpoint/2013/main/command">
+  <pc:docChgLst>
+    <pc:chgData name="Cecilia Trivellin" userId="77962b75-de7c-4c40-bb6b-4b915835e2f5" providerId="ADAL" clId="{8F676522-DDED-B744-BEEF-16A9B560E92E}"/>
+    <pc:docChg chg="modSld">
+      <pc:chgData name="Cecilia Trivellin" userId="77962b75-de7c-4c40-bb6b-4b915835e2f5" providerId="ADAL" clId="{8F676522-DDED-B744-BEEF-16A9B560E92E}" dt="2023-11-08T10:23:42.430" v="14" actId="1037"/>
+      <pc:docMkLst>
+        <pc:docMk/>
+      </pc:docMkLst>
+      <pc:sldChg chg="modSp mod">
+        <pc:chgData name="Cecilia Trivellin" userId="77962b75-de7c-4c40-bb6b-4b915835e2f5" providerId="ADAL" clId="{8F676522-DDED-B744-BEEF-16A9B560E92E}" dt="2023-11-08T10:23:42.430" v="14" actId="1037"/>
+        <pc:sldMkLst>
+          <pc:docMk/>
+          <pc:sldMk cId="329890923" sldId="256"/>
+        </pc:sldMkLst>
+        <pc:spChg chg="mod">
+          <ac:chgData name="Cecilia Trivellin" userId="77962b75-de7c-4c40-bb6b-4b915835e2f5" providerId="ADAL" clId="{8F676522-DDED-B744-BEEF-16A9B560E92E}" dt="2023-11-08T10:22:45.323" v="10" actId="1038"/>
+          <ac:spMkLst>
+            <pc:docMk/>
+            <pc:sldMk cId="329890923" sldId="256"/>
+            <ac:spMk id="3" creationId="{D74C3F2C-3EA1-9E0F-B6C1-0F7E25B60510}"/>
+          </ac:spMkLst>
+        </pc:spChg>
+        <pc:spChg chg="mod">
+          <ac:chgData name="Cecilia Trivellin" userId="77962b75-de7c-4c40-bb6b-4b915835e2f5" providerId="ADAL" clId="{8F676522-DDED-B744-BEEF-16A9B560E92E}" dt="2023-11-08T10:22:45.323" v="10" actId="1038"/>
+          <ac:spMkLst>
+            <pc:docMk/>
+            <pc:sldMk cId="329890923" sldId="256"/>
+            <ac:spMk id="4" creationId="{7CC18F9F-DB9F-DA26-D721-6D5D67C6C73B}"/>
+          </ac:spMkLst>
+        </pc:spChg>
+        <pc:spChg chg="mod">
+          <ac:chgData name="Cecilia Trivellin" userId="77962b75-de7c-4c40-bb6b-4b915835e2f5" providerId="ADAL" clId="{8F676522-DDED-B744-BEEF-16A9B560E92E}" dt="2023-11-08T10:22:45.323" v="10" actId="1038"/>
+          <ac:spMkLst>
+            <pc:docMk/>
+            <pc:sldMk cId="329890923" sldId="256"/>
+            <ac:spMk id="8" creationId="{41441540-22FF-69E6-6C24-CCE074D58ABD}"/>
+          </ac:spMkLst>
+        </pc:spChg>
+        <pc:spChg chg="mod">
+          <ac:chgData name="Cecilia Trivellin" userId="77962b75-de7c-4c40-bb6b-4b915835e2f5" providerId="ADAL" clId="{8F676522-DDED-B744-BEEF-16A9B560E92E}" dt="2023-11-08T10:23:36.583" v="12" actId="1037"/>
+          <ac:spMkLst>
+            <pc:docMk/>
+            <pc:sldMk cId="329890923" sldId="256"/>
+            <ac:spMk id="11" creationId="{025810EB-3D60-787B-BB6A-0E4351F9A68B}"/>
+          </ac:spMkLst>
+        </pc:spChg>
+        <pc:spChg chg="mod">
+          <ac:chgData name="Cecilia Trivellin" userId="77962b75-de7c-4c40-bb6b-4b915835e2f5" providerId="ADAL" clId="{8F676522-DDED-B744-BEEF-16A9B560E92E}" dt="2023-11-08T10:23:36.583" v="12" actId="1037"/>
+          <ac:spMkLst>
+            <pc:docMk/>
+            <pc:sldMk cId="329890923" sldId="256"/>
+            <ac:spMk id="12" creationId="{1EDA5EE7-88FD-20A7-DA5E-386CFC8C6819}"/>
+          </ac:spMkLst>
+        </pc:spChg>
+        <pc:spChg chg="mod">
+          <ac:chgData name="Cecilia Trivellin" userId="77962b75-de7c-4c40-bb6b-4b915835e2f5" providerId="ADAL" clId="{8F676522-DDED-B744-BEEF-16A9B560E92E}" dt="2023-11-08T10:23:36.583" v="12" actId="1037"/>
+          <ac:spMkLst>
+            <pc:docMk/>
+            <pc:sldMk cId="329890923" sldId="256"/>
+            <ac:spMk id="15" creationId="{EB7D67D4-8828-2748-22A8-6EDC5D91DED8}"/>
+          </ac:spMkLst>
+        </pc:spChg>
+        <pc:spChg chg="mod">
+          <ac:chgData name="Cecilia Trivellin" userId="77962b75-de7c-4c40-bb6b-4b915835e2f5" providerId="ADAL" clId="{8F676522-DDED-B744-BEEF-16A9B560E92E}" dt="2023-11-08T10:22:45.323" v="10" actId="1038"/>
+          <ac:spMkLst>
+            <pc:docMk/>
+            <pc:sldMk cId="329890923" sldId="256"/>
+            <ac:spMk id="21" creationId="{586E2DEA-94F6-7EB7-CAD8-43B1100E1CEE}"/>
+          </ac:spMkLst>
+        </pc:spChg>
+        <pc:spChg chg="mod">
+          <ac:chgData name="Cecilia Trivellin" userId="77962b75-de7c-4c40-bb6b-4b915835e2f5" providerId="ADAL" clId="{8F676522-DDED-B744-BEEF-16A9B560E92E}" dt="2023-11-08T10:22:45.323" v="10" actId="1038"/>
+          <ac:spMkLst>
+            <pc:docMk/>
+            <pc:sldMk cId="329890923" sldId="256"/>
+            <ac:spMk id="22" creationId="{471CB1FB-50EA-5874-B611-5FD3DA078A1D}"/>
+          </ac:spMkLst>
+        </pc:spChg>
+        <pc:spChg chg="mod">
+          <ac:chgData name="Cecilia Trivellin" userId="77962b75-de7c-4c40-bb6b-4b915835e2f5" providerId="ADAL" clId="{8F676522-DDED-B744-BEEF-16A9B560E92E}" dt="2023-11-08T10:22:45.323" v="10" actId="1038"/>
+          <ac:spMkLst>
+            <pc:docMk/>
+            <pc:sldMk cId="329890923" sldId="256"/>
+            <ac:spMk id="23" creationId="{DCFE7917-2858-87AB-41DD-4F9C74E9F499}"/>
+          </ac:spMkLst>
+        </pc:spChg>
+        <pc:spChg chg="mod">
+          <ac:chgData name="Cecilia Trivellin" userId="77962b75-de7c-4c40-bb6b-4b915835e2f5" providerId="ADAL" clId="{8F676522-DDED-B744-BEEF-16A9B560E92E}" dt="2023-11-08T10:23:36.583" v="12" actId="1037"/>
+          <ac:spMkLst>
+            <pc:docMk/>
+            <pc:sldMk cId="329890923" sldId="256"/>
+            <ac:spMk id="24" creationId="{D7865EF2-500C-72BD-5B56-2BB13BDFD00E}"/>
+          </ac:spMkLst>
+        </pc:spChg>
+        <pc:spChg chg="mod">
+          <ac:chgData name="Cecilia Trivellin" userId="77962b75-de7c-4c40-bb6b-4b915835e2f5" providerId="ADAL" clId="{8F676522-DDED-B744-BEEF-16A9B560E92E}" dt="2023-11-08T10:23:36.583" v="12" actId="1037"/>
+          <ac:spMkLst>
+            <pc:docMk/>
+            <pc:sldMk cId="329890923" sldId="256"/>
+            <ac:spMk id="25" creationId="{51CFDE8F-D4DE-73BA-F248-38CD0F0E06C1}"/>
+          </ac:spMkLst>
+        </pc:spChg>
+        <pc:spChg chg="mod">
+          <ac:chgData name="Cecilia Trivellin" userId="77962b75-de7c-4c40-bb6b-4b915835e2f5" providerId="ADAL" clId="{8F676522-DDED-B744-BEEF-16A9B560E92E}" dt="2023-11-08T10:23:42.430" v="14" actId="1037"/>
+          <ac:spMkLst>
+            <pc:docMk/>
+            <pc:sldMk cId="329890923" sldId="256"/>
+            <ac:spMk id="26" creationId="{F522A214-5619-DABC-250C-0411B859570E}"/>
+          </ac:spMkLst>
+        </pc:spChg>
+        <pc:spChg chg="mod">
+          <ac:chgData name="Cecilia Trivellin" userId="77962b75-de7c-4c40-bb6b-4b915835e2f5" providerId="ADAL" clId="{8F676522-DDED-B744-BEEF-16A9B560E92E}" dt="2023-11-08T10:23:36.583" v="12" actId="1037"/>
+          <ac:spMkLst>
+            <pc:docMk/>
+            <pc:sldMk cId="329890923" sldId="256"/>
+            <ac:spMk id="27" creationId="{AA668272-3E72-C99E-CC03-45900F871796}"/>
+          </ac:spMkLst>
+        </pc:spChg>
+        <pc:spChg chg="mod">
+          <ac:chgData name="Cecilia Trivellin" userId="77962b75-de7c-4c40-bb6b-4b915835e2f5" providerId="ADAL" clId="{8F676522-DDED-B744-BEEF-16A9B560E92E}" dt="2023-11-08T10:23:36.583" v="12" actId="1037"/>
+          <ac:spMkLst>
+            <pc:docMk/>
+            <pc:sldMk cId="329890923" sldId="256"/>
+            <ac:spMk id="28" creationId="{AC680EEB-4C57-8B2E-84F5-9D8DC7E0ED80}"/>
+          </ac:spMkLst>
+        </pc:spChg>
+        <pc:spChg chg="mod">
+          <ac:chgData name="Cecilia Trivellin" userId="77962b75-de7c-4c40-bb6b-4b915835e2f5" providerId="ADAL" clId="{8F676522-DDED-B744-BEEF-16A9B560E92E}" dt="2023-11-08T10:23:36.583" v="12" actId="1037"/>
+          <ac:spMkLst>
+            <pc:docMk/>
+            <pc:sldMk cId="329890923" sldId="256"/>
+            <ac:spMk id="29" creationId="{701454B5-7A3C-BDEC-A7CC-52BF8DC816C3}"/>
+          </ac:spMkLst>
+        </pc:spChg>
+        <pc:spChg chg="mod">
+          <ac:chgData name="Cecilia Trivellin" userId="77962b75-de7c-4c40-bb6b-4b915835e2f5" providerId="ADAL" clId="{8F676522-DDED-B744-BEEF-16A9B560E92E}" dt="2023-11-08T10:23:36.583" v="12" actId="1037"/>
+          <ac:spMkLst>
+            <pc:docMk/>
+            <pc:sldMk cId="329890923" sldId="256"/>
+            <ac:spMk id="30" creationId="{52EF3726-6CD1-F20C-01E9-5453A67417F2}"/>
+          </ac:spMkLst>
+        </pc:spChg>
+        <pc:spChg chg="mod">
+          <ac:chgData name="Cecilia Trivellin" userId="77962b75-de7c-4c40-bb6b-4b915835e2f5" providerId="ADAL" clId="{8F676522-DDED-B744-BEEF-16A9B560E92E}" dt="2023-11-08T10:23:36.583" v="12" actId="1037"/>
+          <ac:spMkLst>
+            <pc:docMk/>
+            <pc:sldMk cId="329890923" sldId="256"/>
+            <ac:spMk id="31" creationId="{06E48D47-5E5D-E2E5-01DF-120262D1D807}"/>
+          </ac:spMkLst>
+        </pc:spChg>
+        <pc:spChg chg="mod">
+          <ac:chgData name="Cecilia Trivellin" userId="77962b75-de7c-4c40-bb6b-4b915835e2f5" providerId="ADAL" clId="{8F676522-DDED-B744-BEEF-16A9B560E92E}" dt="2023-11-08T10:23:36.583" v="12" actId="1037"/>
+          <ac:spMkLst>
+            <pc:docMk/>
+            <pc:sldMk cId="329890923" sldId="256"/>
+            <ac:spMk id="32" creationId="{F9A2D4EF-14F0-9104-39DF-C694FE925065}"/>
+          </ac:spMkLst>
+        </pc:spChg>
+        <pc:spChg chg="mod">
+          <ac:chgData name="Cecilia Trivellin" userId="77962b75-de7c-4c40-bb6b-4b915835e2f5" providerId="ADAL" clId="{8F676522-DDED-B744-BEEF-16A9B560E92E}" dt="2023-11-08T10:23:36.583" v="12" actId="1037"/>
+          <ac:spMkLst>
+            <pc:docMk/>
+            <pc:sldMk cId="329890923" sldId="256"/>
+            <ac:spMk id="34" creationId="{BABA089B-6B29-354D-E3F6-EFB72D3742B4}"/>
+          </ac:spMkLst>
+        </pc:spChg>
+        <pc:spChg chg="mod">
+          <ac:chgData name="Cecilia Trivellin" userId="77962b75-de7c-4c40-bb6b-4b915835e2f5" providerId="ADAL" clId="{8F676522-DDED-B744-BEEF-16A9B560E92E}" dt="2023-11-08T10:23:36.583" v="12" actId="1037"/>
+          <ac:spMkLst>
+            <pc:docMk/>
+            <pc:sldMk cId="329890923" sldId="256"/>
+            <ac:spMk id="35" creationId="{CAEE5EF3-3B47-0601-B382-EACF8D05B1DE}"/>
+          </ac:spMkLst>
+        </pc:spChg>
+        <pc:spChg chg="mod">
+          <ac:chgData name="Cecilia Trivellin" userId="77962b75-de7c-4c40-bb6b-4b915835e2f5" providerId="ADAL" clId="{8F676522-DDED-B744-BEEF-16A9B560E92E}" dt="2023-11-08T10:23:36.583" v="12" actId="1037"/>
+          <ac:spMkLst>
+            <pc:docMk/>
+            <pc:sldMk cId="329890923" sldId="256"/>
+            <ac:spMk id="36" creationId="{275067A4-EE04-69C0-0BFA-22E852665366}"/>
+          </ac:spMkLst>
+        </pc:spChg>
+        <pc:spChg chg="mod">
+          <ac:chgData name="Cecilia Trivellin" userId="77962b75-de7c-4c40-bb6b-4b915835e2f5" providerId="ADAL" clId="{8F676522-DDED-B744-BEEF-16A9B560E92E}" dt="2023-11-08T10:23:36.583" v="12" actId="1037"/>
+          <ac:spMkLst>
+            <pc:docMk/>
+            <pc:sldMk cId="329890923" sldId="256"/>
+            <ac:spMk id="37" creationId="{62C324E9-9169-5295-753B-95A9452E54A6}"/>
+          </ac:spMkLst>
+        </pc:spChg>
+        <pc:spChg chg="mod">
+          <ac:chgData name="Cecilia Trivellin" userId="77962b75-de7c-4c40-bb6b-4b915835e2f5" providerId="ADAL" clId="{8F676522-DDED-B744-BEEF-16A9B560E92E}" dt="2023-11-08T10:23:36.583" v="12" actId="1037"/>
+          <ac:spMkLst>
+            <pc:docMk/>
+            <pc:sldMk cId="329890923" sldId="256"/>
+            <ac:spMk id="38" creationId="{3CBF36E9-ECF0-A6AE-668D-E3E207CFED70}"/>
+          </ac:spMkLst>
+        </pc:spChg>
+        <pc:spChg chg="mod">
+          <ac:chgData name="Cecilia Trivellin" userId="77962b75-de7c-4c40-bb6b-4b915835e2f5" providerId="ADAL" clId="{8F676522-DDED-B744-BEEF-16A9B560E92E}" dt="2023-11-08T10:23:36.583" v="12" actId="1037"/>
+          <ac:spMkLst>
+            <pc:docMk/>
+            <pc:sldMk cId="329890923" sldId="256"/>
+            <ac:spMk id="39" creationId="{3BDE75A7-4278-816F-B952-83304DF0CA8C}"/>
+          </ac:spMkLst>
+        </pc:spChg>
+        <pc:spChg chg="mod">
+          <ac:chgData name="Cecilia Trivellin" userId="77962b75-de7c-4c40-bb6b-4b915835e2f5" providerId="ADAL" clId="{8F676522-DDED-B744-BEEF-16A9B560E92E}" dt="2023-11-08T10:23:36.583" v="12" actId="1037"/>
+          <ac:spMkLst>
+            <pc:docMk/>
+            <pc:sldMk cId="329890923" sldId="256"/>
+            <ac:spMk id="40" creationId="{BB1AB906-33B1-ACFD-D3DC-B67BD25EEA0B}"/>
+          </ac:spMkLst>
+        </pc:spChg>
+        <pc:spChg chg="mod">
+          <ac:chgData name="Cecilia Trivellin" userId="77962b75-de7c-4c40-bb6b-4b915835e2f5" providerId="ADAL" clId="{8F676522-DDED-B744-BEEF-16A9B560E92E}" dt="2023-11-08T10:23:36.583" v="12" actId="1037"/>
+          <ac:spMkLst>
+            <pc:docMk/>
+            <pc:sldMk cId="329890923" sldId="256"/>
+            <ac:spMk id="41" creationId="{21B49830-D72F-420F-CAFC-1E3431E2C22C}"/>
+          </ac:spMkLst>
+        </pc:spChg>
+        <pc:spChg chg="mod">
+          <ac:chgData name="Cecilia Trivellin" userId="77962b75-de7c-4c40-bb6b-4b915835e2f5" providerId="ADAL" clId="{8F676522-DDED-B744-BEEF-16A9B560E92E}" dt="2023-11-08T10:23:36.583" v="12" actId="1037"/>
+          <ac:spMkLst>
+            <pc:docMk/>
+            <pc:sldMk cId="329890923" sldId="256"/>
+            <ac:spMk id="42" creationId="{5988FFFC-F7AA-BCD1-B522-AE2CA2A0DBB4}"/>
+          </ac:spMkLst>
+        </pc:spChg>
+        <pc:spChg chg="mod">
+          <ac:chgData name="Cecilia Trivellin" userId="77962b75-de7c-4c40-bb6b-4b915835e2f5" providerId="ADAL" clId="{8F676522-DDED-B744-BEEF-16A9B560E92E}" dt="2023-11-08T10:22:45.323" v="10" actId="1038"/>
+          <ac:spMkLst>
+            <pc:docMk/>
+            <pc:sldMk cId="329890923" sldId="256"/>
+            <ac:spMk id="113" creationId="{2CA7DEE8-77C2-A945-18B0-38FD2C91B3F5}"/>
+          </ac:spMkLst>
+        </pc:spChg>
+        <pc:spChg chg="mod">
+          <ac:chgData name="Cecilia Trivellin" userId="77962b75-de7c-4c40-bb6b-4b915835e2f5" providerId="ADAL" clId="{8F676522-DDED-B744-BEEF-16A9B560E92E}" dt="2023-11-08T10:22:45.323" v="10" actId="1038"/>
+          <ac:spMkLst>
+            <pc:docMk/>
+            <pc:sldMk cId="329890923" sldId="256"/>
+            <ac:spMk id="114" creationId="{EECD97EF-4A81-1C94-AD22-0AE1EFA0EA25}"/>
+          </ac:spMkLst>
+        </pc:spChg>
+        <pc:spChg chg="mod">
+          <ac:chgData name="Cecilia Trivellin" userId="77962b75-de7c-4c40-bb6b-4b915835e2f5" providerId="ADAL" clId="{8F676522-DDED-B744-BEEF-16A9B560E92E}" dt="2023-11-08T10:22:45.323" v="10" actId="1038"/>
+          <ac:spMkLst>
+            <pc:docMk/>
+            <pc:sldMk cId="329890923" sldId="256"/>
+            <ac:spMk id="115" creationId="{F8CE9915-B27D-E095-E69F-907342480B1C}"/>
+          </ac:spMkLst>
+        </pc:spChg>
+        <pc:spChg chg="mod">
+          <ac:chgData name="Cecilia Trivellin" userId="77962b75-de7c-4c40-bb6b-4b915835e2f5" providerId="ADAL" clId="{8F676522-DDED-B744-BEEF-16A9B560E92E}" dt="2023-11-08T10:22:45.323" v="10" actId="1038"/>
+          <ac:spMkLst>
+            <pc:docMk/>
+            <pc:sldMk cId="329890923" sldId="256"/>
+            <ac:spMk id="116" creationId="{68CE7771-AD8D-482D-A475-D8CB7DE98954}"/>
+          </ac:spMkLst>
+        </pc:spChg>
+        <pc:spChg chg="mod">
+          <ac:chgData name="Cecilia Trivellin" userId="77962b75-de7c-4c40-bb6b-4b915835e2f5" providerId="ADAL" clId="{8F676522-DDED-B744-BEEF-16A9B560E92E}" dt="2023-11-08T10:22:45.323" v="10" actId="1038"/>
+          <ac:spMkLst>
+            <pc:docMk/>
+            <pc:sldMk cId="329890923" sldId="256"/>
+            <ac:spMk id="117" creationId="{3F2FA1A4-9041-F5E1-8326-F34AAE03E277}"/>
+          </ac:spMkLst>
+        </pc:spChg>
+        <pc:grpChg chg="mod">
+          <ac:chgData name="Cecilia Trivellin" userId="77962b75-de7c-4c40-bb6b-4b915835e2f5" providerId="ADAL" clId="{8F676522-DDED-B744-BEEF-16A9B560E92E}" dt="2023-11-08T10:22:45.323" v="10" actId="1038"/>
+          <ac:grpSpMkLst>
+            <pc:docMk/>
+            <pc:sldMk cId="329890923" sldId="256"/>
+            <ac:grpSpMk id="61" creationId="{BCA5FB4A-1F3B-F106-3A52-32343E09694F}"/>
+          </ac:grpSpMkLst>
+        </pc:grpChg>
+        <pc:grpChg chg="mod">
+          <ac:chgData name="Cecilia Trivellin" userId="77962b75-de7c-4c40-bb6b-4b915835e2f5" providerId="ADAL" clId="{8F676522-DDED-B744-BEEF-16A9B560E92E}" dt="2023-11-08T10:22:45.323" v="10" actId="1038"/>
+          <ac:grpSpMkLst>
+            <pc:docMk/>
+            <pc:sldMk cId="329890923" sldId="256"/>
+            <ac:grpSpMk id="62" creationId="{343F9D29-0F62-0973-5521-6F9ED7151939}"/>
+          </ac:grpSpMkLst>
+        </pc:grpChg>
+        <pc:grpChg chg="mod">
+          <ac:chgData name="Cecilia Trivellin" userId="77962b75-de7c-4c40-bb6b-4b915835e2f5" providerId="ADAL" clId="{8F676522-DDED-B744-BEEF-16A9B560E92E}" dt="2023-11-08T10:22:45.323" v="10" actId="1038"/>
+          <ac:grpSpMkLst>
+            <pc:docMk/>
+            <pc:sldMk cId="329890923" sldId="256"/>
+            <ac:grpSpMk id="79" creationId="{C081F7B6-D9B6-8546-8D4D-52596288EB00}"/>
+          </ac:grpSpMkLst>
+        </pc:grpChg>
+        <pc:picChg chg="mod modCrop">
+          <ac:chgData name="Cecilia Trivellin" userId="77962b75-de7c-4c40-bb6b-4b915835e2f5" providerId="ADAL" clId="{8F676522-DDED-B744-BEEF-16A9B560E92E}" dt="2023-11-08T10:22:45.323" v="10" actId="1038"/>
+          <ac:picMkLst>
+            <pc:docMk/>
+            <pc:sldMk cId="329890923" sldId="256"/>
+            <ac:picMk id="7" creationId="{FD3D88AD-D330-3B4E-5236-9BE169547BC7}"/>
+          </ac:picMkLst>
+        </pc:picChg>
+        <pc:picChg chg="mod">
+          <ac:chgData name="Cecilia Trivellin" userId="77962b75-de7c-4c40-bb6b-4b915835e2f5" providerId="ADAL" clId="{8F676522-DDED-B744-BEEF-16A9B560E92E}" dt="2023-11-08T10:22:45.323" v="10" actId="1038"/>
+          <ac:picMkLst>
+            <pc:docMk/>
+            <pc:sldMk cId="329890923" sldId="256"/>
+            <ac:picMk id="20" creationId="{553F5737-D577-48E1-ABD5-13E45DC41DF0}"/>
+          </ac:picMkLst>
+        </pc:picChg>
+        <pc:cxnChg chg="mod">
+          <ac:chgData name="Cecilia Trivellin" userId="77962b75-de7c-4c40-bb6b-4b915835e2f5" providerId="ADAL" clId="{8F676522-DDED-B744-BEEF-16A9B560E92E}" dt="2023-11-08T10:22:45.323" v="10" actId="1038"/>
+          <ac:cxnSpMkLst>
+            <pc:docMk/>
+            <pc:sldMk cId="329890923" sldId="256"/>
+            <ac:cxnSpMk id="9" creationId="{B8CE3306-6049-FE3F-57BB-4434246EFF90}"/>
+          </ac:cxnSpMkLst>
+        </pc:cxnChg>
+        <pc:cxnChg chg="mod">
+          <ac:chgData name="Cecilia Trivellin" userId="77962b75-de7c-4c40-bb6b-4b915835e2f5" providerId="ADAL" clId="{8F676522-DDED-B744-BEEF-16A9B560E92E}" dt="2023-11-08T10:22:45.323" v="10" actId="1038"/>
+          <ac:cxnSpMkLst>
+            <pc:docMk/>
+            <pc:sldMk cId="329890923" sldId="256"/>
+            <ac:cxnSpMk id="13" creationId="{8D36E5E3-DCEE-E5BB-81C6-39794D60105A}"/>
+          </ac:cxnSpMkLst>
+        </pc:cxnChg>
+      </pc:sldChg>
+    </pc:docChg>
+  </pc:docChgLst>
   <pc:docChgLst>
     <pc:chgData name="Cecilia Trivellin" userId="77962b75-de7c-4c40-bb6b-4b915835e2f5" providerId="ADAL" clId="{B7B6CD1C-AEAD-F34F-A2FE-16FE46EC6470}"/>
     <pc:docChg chg="undo redo custSel modSld modMainMaster modNotesMaster">
@@ -1540,7 +1868,7 @@
           <a:p>
             <a:fld id="{4105112D-D428-574F-AB67-4A71A491AA28}" type="datetimeFigureOut">
               <a:rPr lang="en-US" smtClean="0"/>
-              <a:t>9/17/23</a:t>
+              <a:t>11/8/23</a:t>
             </a:fld>
             <a:endParaRPr lang="en-US"/>
           </a:p>
@@ -2027,7 +2355,7 @@
           <a:p>
             <a:fld id="{DCBF8A02-CB0E-2643-97C9-56E932904981}" type="datetimeFigureOut">
               <a:rPr lang="en-US" smtClean="0"/>
-              <a:t>9/17/23</a:t>
+              <a:t>11/8/23</a:t>
             </a:fld>
             <a:endParaRPr lang="en-US"/>
           </a:p>
@@ -2197,7 +2525,7 @@
           <a:p>
             <a:fld id="{DCBF8A02-CB0E-2643-97C9-56E932904981}" type="datetimeFigureOut">
               <a:rPr lang="en-US" smtClean="0"/>
-              <a:t>9/17/23</a:t>
+              <a:t>11/8/23</a:t>
             </a:fld>
             <a:endParaRPr lang="en-US"/>
           </a:p>
@@ -2377,7 +2705,7 @@
           <a:p>
             <a:fld id="{DCBF8A02-CB0E-2643-97C9-56E932904981}" type="datetimeFigureOut">
               <a:rPr lang="en-US" smtClean="0"/>
-              <a:t>9/17/23</a:t>
+              <a:t>11/8/23</a:t>
             </a:fld>
             <a:endParaRPr lang="en-US"/>
           </a:p>
@@ -2547,7 +2875,7 @@
           <a:p>
             <a:fld id="{DCBF8A02-CB0E-2643-97C9-56E932904981}" type="datetimeFigureOut">
               <a:rPr lang="en-US" smtClean="0"/>
-              <a:t>9/17/23</a:t>
+              <a:t>11/8/23</a:t>
             </a:fld>
             <a:endParaRPr lang="en-US"/>
           </a:p>
@@ -2793,7 +3121,7 @@
           <a:p>
             <a:fld id="{DCBF8A02-CB0E-2643-97C9-56E932904981}" type="datetimeFigureOut">
               <a:rPr lang="en-US" smtClean="0"/>
-              <a:t>9/17/23</a:t>
+              <a:t>11/8/23</a:t>
             </a:fld>
             <a:endParaRPr lang="en-US"/>
           </a:p>
@@ -3025,7 +3353,7 @@
           <a:p>
             <a:fld id="{DCBF8A02-CB0E-2643-97C9-56E932904981}" type="datetimeFigureOut">
               <a:rPr lang="en-US" smtClean="0"/>
-              <a:t>9/17/23</a:t>
+              <a:t>11/8/23</a:t>
             </a:fld>
             <a:endParaRPr lang="en-US"/>
           </a:p>
@@ -3392,7 +3720,7 @@
           <a:p>
             <a:fld id="{DCBF8A02-CB0E-2643-97C9-56E932904981}" type="datetimeFigureOut">
               <a:rPr lang="en-US" smtClean="0"/>
-              <a:t>9/17/23</a:t>
+              <a:t>11/8/23</a:t>
             </a:fld>
             <a:endParaRPr lang="en-US"/>
           </a:p>
@@ -3510,7 +3838,7 @@
           <a:p>
             <a:fld id="{DCBF8A02-CB0E-2643-97C9-56E932904981}" type="datetimeFigureOut">
               <a:rPr lang="en-US" smtClean="0"/>
-              <a:t>9/17/23</a:t>
+              <a:t>11/8/23</a:t>
             </a:fld>
             <a:endParaRPr lang="en-US"/>
           </a:p>
@@ -3605,7 +3933,7 @@
           <a:p>
             <a:fld id="{DCBF8A02-CB0E-2643-97C9-56E932904981}" type="datetimeFigureOut">
               <a:rPr lang="en-US" smtClean="0"/>
-              <a:t>9/17/23</a:t>
+              <a:t>11/8/23</a:t>
             </a:fld>
             <a:endParaRPr lang="en-US"/>
           </a:p>
@@ -3882,7 +4210,7 @@
           <a:p>
             <a:fld id="{DCBF8A02-CB0E-2643-97C9-56E932904981}" type="datetimeFigureOut">
               <a:rPr lang="en-US" smtClean="0"/>
-              <a:t>9/17/23</a:t>
+              <a:t>11/8/23</a:t>
             </a:fld>
             <a:endParaRPr lang="en-US"/>
           </a:p>
@@ -4139,7 +4467,7 @@
           <a:p>
             <a:fld id="{DCBF8A02-CB0E-2643-97C9-56E932904981}" type="datetimeFigureOut">
               <a:rPr lang="en-US" smtClean="0"/>
-              <a:t>9/17/23</a:t>
+              <a:t>11/8/23</a:t>
             </a:fld>
             <a:endParaRPr lang="en-US"/>
           </a:p>
@@ -4352,7 +4680,7 @@
           <a:p>
             <a:fld id="{DCBF8A02-CB0E-2643-97C9-56E932904981}" type="datetimeFigureOut">
               <a:rPr lang="en-US" smtClean="0"/>
-              <a:t>9/17/23</a:t>
+              <a:t>11/8/23</a:t>
             </a:fld>
             <a:endParaRPr lang="en-US"/>
           </a:p>
@@ -4773,13 +5101,13 @@
         </p:nvPicPr>
         <p:blipFill rotWithShape="1">
           <a:blip r:embed="rId3"/>
-          <a:srcRect l="1306" t="19320" r="5411" b="39487"/>
+          <a:srcRect l="545" t="19913" r="5939" b="39719"/>
           <a:stretch/>
         </p:blipFill>
         <p:spPr>
           <a:xfrm>
-            <a:off x="355508" y="149555"/>
-            <a:ext cx="8164544" cy="2454844"/>
+            <a:off x="273906" y="224271"/>
+            <a:ext cx="8270422" cy="2380128"/>
           </a:xfrm>
           <a:prstGeom prst="rect">
             <a:avLst/>
@@ -4800,7 +5128,7 @@
         </p:nvSpPr>
         <p:spPr>
           <a:xfrm>
-            <a:off x="2618883" y="2988880"/>
+            <a:off x="2643159" y="2988880"/>
             <a:ext cx="600636" cy="261610"/>
           </a:xfrm>
           <a:prstGeom prst="rect">
@@ -4845,7 +5173,7 @@
         </p:blipFill>
         <p:spPr>
           <a:xfrm>
-            <a:off x="8650888" y="328282"/>
+            <a:off x="8675164" y="328282"/>
             <a:ext cx="292279" cy="1055972"/>
           </a:xfrm>
           <a:prstGeom prst="rect">
@@ -4867,7 +5195,7 @@
         </p:nvSpPr>
         <p:spPr>
           <a:xfrm>
-            <a:off x="8829470" y="868146"/>
+            <a:off x="8853746" y="868146"/>
             <a:ext cx="390731" cy="261610"/>
           </a:xfrm>
           <a:prstGeom prst="rect">
@@ -4905,7 +5233,7 @@
         </p:nvSpPr>
         <p:spPr>
           <a:xfrm>
-            <a:off x="8835820" y="540229"/>
+            <a:off x="8860096" y="540229"/>
             <a:ext cx="390731" cy="261610"/>
           </a:xfrm>
           <a:prstGeom prst="rect">
@@ -4943,7 +5271,7 @@
         </p:nvSpPr>
         <p:spPr>
           <a:xfrm rot="16200000">
-            <a:off x="7516194" y="1088027"/>
+            <a:off x="7540470" y="1088027"/>
             <a:ext cx="2138555" cy="261610"/>
           </a:xfrm>
           <a:prstGeom prst="rect">
@@ -4981,7 +5309,7 @@
         </p:nvSpPr>
         <p:spPr>
           <a:xfrm rot="5400000">
-            <a:off x="2663236" y="1822891"/>
+            <a:off x="2687512" y="1822891"/>
             <a:ext cx="84925" cy="2169306"/>
           </a:xfrm>
           <a:prstGeom prst="rightBracket">
@@ -5025,7 +5353,7 @@
         </p:nvSpPr>
         <p:spPr>
           <a:xfrm rot="16200000">
-            <a:off x="-34600" y="2264556"/>
+            <a:off x="-53262" y="2264556"/>
             <a:ext cx="279336" cy="261610"/>
           </a:xfrm>
           <a:prstGeom prst="rect">
@@ -5063,7 +5391,7 @@
         </p:nvSpPr>
         <p:spPr>
           <a:xfrm rot="16200000">
-            <a:off x="-382460" y="2529954"/>
+            <a:off x="-401122" y="2529954"/>
             <a:ext cx="1295516" cy="261610"/>
           </a:xfrm>
           <a:prstGeom prst="rect">
@@ -5101,7 +5429,7 @@
         </p:nvSpPr>
         <p:spPr>
           <a:xfrm>
-            <a:off x="232016" y="2415610"/>
+            <a:off x="213354" y="2415610"/>
             <a:ext cx="137160" cy="137160"/>
           </a:xfrm>
           <a:prstGeom prst="rect">
@@ -5153,7 +5481,7 @@
         </p:nvSpPr>
         <p:spPr>
           <a:xfrm rot="16200000">
-            <a:off x="-87793" y="1874427"/>
+            <a:off x="-106455" y="1874427"/>
             <a:ext cx="413233" cy="261610"/>
           </a:xfrm>
           <a:prstGeom prst="rect">
@@ -5191,7 +5519,7 @@
         </p:nvSpPr>
         <p:spPr>
           <a:xfrm rot="16200000">
-            <a:off x="-176799" y="1245515"/>
+            <a:off x="-195461" y="1245515"/>
             <a:ext cx="576416" cy="261610"/>
           </a:xfrm>
           <a:prstGeom prst="rect">
@@ -5229,7 +5557,7 @@
         </p:nvSpPr>
         <p:spPr>
           <a:xfrm rot="16200000">
-            <a:off x="-381212" y="156402"/>
+            <a:off x="-399874" y="156402"/>
             <a:ext cx="985241" cy="261610"/>
           </a:xfrm>
           <a:prstGeom prst="rect">
@@ -5267,7 +5595,7 @@
         </p:nvSpPr>
         <p:spPr>
           <a:xfrm>
-            <a:off x="232016" y="2269138"/>
+            <a:off x="213354" y="2269138"/>
             <a:ext cx="137160" cy="137160"/>
           </a:xfrm>
           <a:prstGeom prst="rect">
@@ -5319,7 +5647,7 @@
         </p:nvSpPr>
         <p:spPr>
           <a:xfrm>
-            <a:off x="232016" y="2122673"/>
+            <a:off x="213354" y="2122673"/>
             <a:ext cx="137160" cy="137160"/>
           </a:xfrm>
           <a:prstGeom prst="rect">
@@ -5371,7 +5699,7 @@
         </p:nvSpPr>
         <p:spPr>
           <a:xfrm>
-            <a:off x="232016" y="1976208"/>
+            <a:off x="213354" y="1976208"/>
             <a:ext cx="137160" cy="137160"/>
           </a:xfrm>
           <a:prstGeom prst="rect">
@@ -5423,7 +5751,7 @@
         </p:nvSpPr>
         <p:spPr>
           <a:xfrm>
-            <a:off x="232016" y="1829743"/>
+            <a:off x="213354" y="1829743"/>
             <a:ext cx="137160" cy="137160"/>
           </a:xfrm>
           <a:prstGeom prst="rect">
@@ -5475,7 +5803,7 @@
         </p:nvSpPr>
         <p:spPr>
           <a:xfrm>
-            <a:off x="232016" y="1683278"/>
+            <a:off x="213354" y="1683278"/>
             <a:ext cx="137160" cy="137160"/>
           </a:xfrm>
           <a:prstGeom prst="rect">
@@ -5527,7 +5855,7 @@
         </p:nvSpPr>
         <p:spPr>
           <a:xfrm>
-            <a:off x="232016" y="1536813"/>
+            <a:off x="213354" y="1536813"/>
             <a:ext cx="137160" cy="137160"/>
           </a:xfrm>
           <a:prstGeom prst="rect">
@@ -5579,7 +5907,7 @@
         </p:nvSpPr>
         <p:spPr>
           <a:xfrm>
-            <a:off x="232016" y="1390348"/>
+            <a:off x="213354" y="1390348"/>
             <a:ext cx="137160" cy="137160"/>
           </a:xfrm>
           <a:prstGeom prst="rect">
@@ -5631,7 +5959,7 @@
         </p:nvSpPr>
         <p:spPr>
           <a:xfrm>
-            <a:off x="232016" y="1243883"/>
+            <a:off x="213354" y="1243883"/>
             <a:ext cx="137160" cy="137160"/>
           </a:xfrm>
           <a:prstGeom prst="rect">
@@ -5683,7 +6011,7 @@
         </p:nvSpPr>
         <p:spPr>
           <a:xfrm>
-            <a:off x="232016" y="1097418"/>
+            <a:off x="213354" y="1097418"/>
             <a:ext cx="137160" cy="137160"/>
           </a:xfrm>
           <a:prstGeom prst="rect">
@@ -5735,7 +6063,7 @@
         </p:nvSpPr>
         <p:spPr>
           <a:xfrm>
-            <a:off x="232016" y="950953"/>
+            <a:off x="213354" y="950953"/>
             <a:ext cx="137160" cy="137160"/>
           </a:xfrm>
           <a:prstGeom prst="rect">
@@ -5787,7 +6115,7 @@
         </p:nvSpPr>
         <p:spPr>
           <a:xfrm>
-            <a:off x="232016" y="804488"/>
+            <a:off x="213354" y="804488"/>
             <a:ext cx="137160" cy="137160"/>
           </a:xfrm>
           <a:prstGeom prst="rect">
@@ -5839,7 +6167,7 @@
         </p:nvSpPr>
         <p:spPr>
           <a:xfrm>
-            <a:off x="232016" y="658023"/>
+            <a:off x="213354" y="658023"/>
             <a:ext cx="137160" cy="137160"/>
           </a:xfrm>
           <a:prstGeom prst="rect">
@@ -5891,7 +6219,7 @@
         </p:nvSpPr>
         <p:spPr>
           <a:xfrm>
-            <a:off x="232016" y="511558"/>
+            <a:off x="213354" y="511558"/>
             <a:ext cx="137160" cy="137160"/>
           </a:xfrm>
           <a:prstGeom prst="rect">
@@ -5943,7 +6271,7 @@
         </p:nvSpPr>
         <p:spPr>
           <a:xfrm>
-            <a:off x="232016" y="365093"/>
+            <a:off x="213354" y="365093"/>
             <a:ext cx="137160" cy="137160"/>
           </a:xfrm>
           <a:prstGeom prst="rect">
@@ -5995,7 +6323,7 @@
         </p:nvSpPr>
         <p:spPr>
           <a:xfrm>
-            <a:off x="232016" y="218628"/>
+            <a:off x="213354" y="218628"/>
             <a:ext cx="137160" cy="137160"/>
           </a:xfrm>
           <a:prstGeom prst="rect">
@@ -6047,7 +6375,7 @@
         </p:nvGrpSpPr>
         <p:grpSpPr>
           <a:xfrm>
-            <a:off x="1488322" y="2389012"/>
+            <a:off x="1512598" y="2389012"/>
             <a:ext cx="2440529" cy="514027"/>
             <a:chOff x="1488321" y="2290257"/>
             <a:chExt cx="2440529" cy="514027"/>
@@ -6676,7 +7004,7 @@
         </p:nvGrpSpPr>
         <p:grpSpPr>
           <a:xfrm>
-            <a:off x="3780239" y="2389012"/>
+            <a:off x="3804515" y="2389012"/>
             <a:ext cx="2440529" cy="514027"/>
             <a:chOff x="1488321" y="2290257"/>
             <a:chExt cx="2440529" cy="514027"/>
@@ -7305,7 +7633,7 @@
         </p:nvGrpSpPr>
         <p:grpSpPr>
           <a:xfrm>
-            <a:off x="6106989" y="2389012"/>
+            <a:off x="6131265" y="2389012"/>
             <a:ext cx="2440529" cy="514027"/>
             <a:chOff x="1488321" y="2290257"/>
             <a:chExt cx="2440529" cy="514027"/>
@@ -7934,7 +8262,7 @@
         </p:nvSpPr>
         <p:spPr>
           <a:xfrm rot="5400000">
-            <a:off x="4993062" y="1822892"/>
+            <a:off x="5017338" y="1822892"/>
             <a:ext cx="84925" cy="2169306"/>
           </a:xfrm>
           <a:prstGeom prst="rightBracket">
@@ -7978,7 +8306,7 @@
         </p:nvSpPr>
         <p:spPr>
           <a:xfrm rot="5400000">
-            <a:off x="7308916" y="1817739"/>
+            <a:off x="7333192" y="1817739"/>
             <a:ext cx="84925" cy="2169306"/>
           </a:xfrm>
           <a:prstGeom prst="rightBracket">
@@ -8022,7 +8350,7 @@
         </p:nvSpPr>
         <p:spPr>
           <a:xfrm>
-            <a:off x="4928029" y="2988880"/>
+            <a:off x="4952305" y="2988880"/>
             <a:ext cx="600636" cy="261610"/>
           </a:xfrm>
           <a:prstGeom prst="rect">
@@ -8060,7 +8388,7 @@
         </p:nvSpPr>
         <p:spPr>
           <a:xfrm>
-            <a:off x="7237174" y="2988880"/>
+            <a:off x="7261450" y="2988880"/>
             <a:ext cx="600636" cy="261610"/>
           </a:xfrm>
           <a:prstGeom prst="rect">
@@ -8098,7 +8426,7 @@
         </p:nvSpPr>
         <p:spPr>
           <a:xfrm>
-            <a:off x="4434410" y="3163722"/>
+            <a:off x="4458686" y="3163722"/>
             <a:ext cx="1511581" cy="261610"/>
           </a:xfrm>
           <a:prstGeom prst="rect">
@@ -8136,7 +8464,7 @@
         </p:nvSpPr>
         <p:spPr>
           <a:xfrm>
-            <a:off x="8694409" y="1402645"/>
+            <a:off x="8718685" y="1402645"/>
             <a:ext cx="188165" cy="108858"/>
           </a:xfrm>
           <a:prstGeom prst="rect">
@@ -8232,7 +8560,7 @@
         </p:nvCxnSpPr>
         <p:spPr>
           <a:xfrm>
-            <a:off x="3860298" y="210254"/>
+            <a:off x="3884574" y="210254"/>
             <a:ext cx="0" cy="2377440"/>
           </a:xfrm>
           <a:prstGeom prst="line">
@@ -8271,7 +8599,7 @@
         </p:nvCxnSpPr>
         <p:spPr>
           <a:xfrm>
-            <a:off x="6154601" y="203415"/>
+            <a:off x="6195061" y="203415"/>
             <a:ext cx="0" cy="2377440"/>
           </a:xfrm>
           <a:prstGeom prst="line">
